--- a/DataAccess/lecture.pptx
+++ b/DataAccess/lecture.pptx
@@ -298,7 +298,7 @@
             <a:pPr algn="r">
               <a:buNone/>
             </a:pPr>
-            <a:fld id="{7205137E-AA74-4E96-A415-89B9A1BA7F56}" type="slidenum">
+            <a:fld id="{AEB67947-56EA-4D0A-A8A7-C6B263F976B4}" type="slidenum">
               <a:rPr b="0" lang="en-CA" sz="1400" spc="-1" strike="noStrike">
                 <a:latin typeface="Times New Roman"/>
               </a:rPr>
@@ -346,7 +346,7 @@
         <p:spPr>
           <a:xfrm>
             <a:off x="3884760" y="8685360"/>
-            <a:ext cx="2968560" cy="453960"/>
+            <a:ext cx="2968200" cy="453600"/>
           </a:xfrm>
           <a:prstGeom prst="rect">
             <a:avLst/>
@@ -379,7 +379,7 @@
               </a:lnSpc>
               <a:buNone/>
             </a:pPr>
-            <a:fld id="{87881EEE-7FEF-4BD5-AE7B-872868EA0F6A}" type="slidenum">
+            <a:fld id="{431C6934-0793-40F3-867A-AA9CAAC5FFD2}" type="slidenum">
               <a:rPr b="0" lang="en-US" sz="1200" spc="-1" strike="noStrike">
                 <a:latin typeface="Times New Roman"/>
                 <a:ea typeface="Lucida Sans Unicode"/>
@@ -405,7 +405,7 @@
         <p:spPr>
           <a:xfrm>
             <a:off x="1143000" y="685800"/>
-            <a:ext cx="4568760" cy="3425760"/>
+            <a:ext cx="4568400" cy="3425400"/>
           </a:xfrm>
           <a:prstGeom prst="rect">
             <a:avLst/>
@@ -428,7 +428,7 @@
         <p:spPr>
           <a:xfrm>
             <a:off x="685800" y="4343400"/>
-            <a:ext cx="5483160" cy="4111560"/>
+            <a:ext cx="5482800" cy="4111200"/>
           </a:xfrm>
           <a:prstGeom prst="rect">
             <a:avLst/>
@@ -3539,7 +3539,7 @@
         <p:spPr>
           <a:xfrm>
             <a:off x="34920" y="6099120"/>
-            <a:ext cx="2530440" cy="711000"/>
+            <a:ext cx="2530080" cy="710640"/>
           </a:xfrm>
           <a:prstGeom prst="rect">
             <a:avLst/>
@@ -3832,7 +3832,7 @@
         <p:spPr>
           <a:xfrm>
             <a:off x="34920" y="6099120"/>
-            <a:ext cx="2530440" cy="711000"/>
+            <a:ext cx="2530080" cy="710640"/>
           </a:xfrm>
           <a:prstGeom prst="rect">
             <a:avLst/>
@@ -4118,7 +4118,7 @@
         <p:spPr>
           <a:xfrm>
             <a:off x="685800" y="2130480"/>
-            <a:ext cx="7769160" cy="1466640"/>
+            <a:ext cx="7768800" cy="1466280"/>
           </a:xfrm>
           <a:prstGeom prst="rect">
             <a:avLst/>
@@ -4195,7 +4195,7 @@
         <p:spPr>
           <a:xfrm>
             <a:off x="457200" y="274680"/>
-            <a:ext cx="8226360" cy="1139760"/>
+            <a:ext cx="8226000" cy="1139400"/>
           </a:xfrm>
           <a:prstGeom prst="rect">
             <a:avLst/>
@@ -4245,7 +4245,7 @@
         <p:spPr>
           <a:xfrm>
             <a:off x="1261800" y="1415520"/>
-            <a:ext cx="7017120" cy="4522680"/>
+            <a:ext cx="7016760" cy="4522320"/>
           </a:xfrm>
           <a:prstGeom prst="rect">
             <a:avLst/>
@@ -4460,7 +4460,7 @@
         <p:spPr>
           <a:xfrm>
             <a:off x="457200" y="274680"/>
-            <a:ext cx="8226360" cy="1139760"/>
+            <a:ext cx="8226000" cy="1139400"/>
           </a:xfrm>
           <a:prstGeom prst="rect">
             <a:avLst/>
@@ -4510,7 +4510,7 @@
         <p:spPr>
           <a:xfrm>
             <a:off x="1261800" y="1415520"/>
-            <a:ext cx="7017120" cy="4522680"/>
+            <a:ext cx="7016760" cy="4522320"/>
           </a:xfrm>
           <a:prstGeom prst="rect">
             <a:avLst/>
@@ -4542,8 +4542,36 @@
                 <a:latin typeface="Calibri"/>
                 <a:ea typeface="ＭＳ Ｐゴシック"/>
               </a:rPr>
-              <a:t>The Entity framework provides object to </a:t>
+              <a:t>The Entity framework provides object to relational mapping.</a:t>
             </a:r>
+            <a:endParaRPr b="0" lang="en-CA" sz="2600" spc="-1" strike="noStrike">
+              <a:latin typeface="Arial"/>
+            </a:endParaRPr>
+          </a:p>
+          <a:p>
+            <a:pPr>
+              <a:lnSpc>
+                <a:spcPct val="100000"/>
+              </a:lnSpc>
+              <a:spcBef>
+                <a:spcPts val="641"/>
+              </a:spcBef>
+              <a:buNone/>
+            </a:pPr>
+            <a:endParaRPr b="0" lang="en-CA" sz="2600" spc="-1" strike="noStrike">
+              <a:latin typeface="Arial"/>
+            </a:endParaRPr>
+          </a:p>
+          <a:p>
+            <a:pPr>
+              <a:lnSpc>
+                <a:spcPct val="100000"/>
+              </a:lnSpc>
+              <a:spcBef>
+                <a:spcPts val="641"/>
+              </a:spcBef>
+              <a:buNone/>
+            </a:pPr>
             <a:r>
               <a:rPr b="0" lang="en-CA" sz="2600" spc="-1" strike="noStrike">
                 <a:solidFill>
@@ -4552,7 +4580,7 @@
                 <a:latin typeface="Calibri"/>
                 <a:ea typeface="ＭＳ Ｐゴシック"/>
               </a:rPr>
-              <a:t>relational mapping.</a:t>
+              <a:t>LINQ is used to specify operations (queries)</a:t>
             </a:r>
             <a:endParaRPr b="0" lang="en-CA" sz="2600" spc="-1" strike="noStrike">
               <a:latin typeface="Arial"/>
@@ -4590,65 +4618,7 @@
                 <a:latin typeface="Calibri"/>
                 <a:ea typeface="ＭＳ Ｐゴシック"/>
               </a:rPr>
-              <a:t>LINQ is used to specify operations </a:t>
-            </a:r>
-            <a:r>
-              <a:rPr b="0" lang="en-CA" sz="2600" spc="-1" strike="noStrike">
-                <a:solidFill>
-                  <a:srgbClr val="535353"/>
-                </a:solidFill>
-                <a:latin typeface="Calibri"/>
-                <a:ea typeface="ＭＳ Ｐゴシック"/>
-              </a:rPr>
-              <a:t>(queries)</a:t>
-            </a:r>
-            <a:endParaRPr b="0" lang="en-CA" sz="2600" spc="-1" strike="noStrike">
-              <a:latin typeface="Arial"/>
-            </a:endParaRPr>
-          </a:p>
-          <a:p>
-            <a:pPr>
-              <a:lnSpc>
-                <a:spcPct val="100000"/>
-              </a:lnSpc>
-              <a:spcBef>
-                <a:spcPts val="641"/>
-              </a:spcBef>
-              <a:buNone/>
-            </a:pPr>
-            <a:endParaRPr b="0" lang="en-CA" sz="2600" spc="-1" strike="noStrike">
-              <a:latin typeface="Arial"/>
-            </a:endParaRPr>
-          </a:p>
-          <a:p>
-            <a:pPr>
-              <a:lnSpc>
-                <a:spcPct val="100000"/>
-              </a:lnSpc>
-              <a:spcBef>
-                <a:spcPts val="641"/>
-              </a:spcBef>
-              <a:buNone/>
-            </a:pPr>
-            <a:r>
-              <a:rPr b="0" lang="en-CA" sz="2600" spc="-1" strike="noStrike">
-                <a:solidFill>
-                  <a:srgbClr val="535353"/>
-                </a:solidFill>
-                <a:latin typeface="Calibri"/>
-                <a:ea typeface="ＭＳ Ｐゴシック"/>
-              </a:rPr>
-              <a:t>Supports many DB providers including </a:t>
-            </a:r>
-            <a:r>
-              <a:rPr b="0" lang="en-CA" sz="2600" spc="-1" strike="noStrike">
-                <a:solidFill>
-                  <a:srgbClr val="535353"/>
-                </a:solidFill>
-                <a:latin typeface="Calibri"/>
-                <a:ea typeface="ＭＳ Ｐゴシック"/>
-              </a:rPr>
-              <a:t>all the most popular databases.</a:t>
+              <a:t>Supports many DB providers including all of the most popular databases.</a:t>
             </a:r>
             <a:endParaRPr b="0" lang="en-CA" sz="2600" spc="-1" strike="noStrike">
               <a:latin typeface="Arial"/>
@@ -4755,7 +4725,7 @@
         <p:spPr>
           <a:xfrm>
             <a:off x="457200" y="274680"/>
-            <a:ext cx="8226360" cy="1139760"/>
+            <a:ext cx="8226000" cy="1139400"/>
           </a:xfrm>
           <a:prstGeom prst="rect">
             <a:avLst/>
@@ -4805,7 +4775,7 @@
         <p:spPr>
           <a:xfrm>
             <a:off x="1333080" y="1332000"/>
-            <a:ext cx="7017120" cy="4139280"/>
+            <a:ext cx="7016760" cy="4138920"/>
           </a:xfrm>
           <a:prstGeom prst="rect">
             <a:avLst/>
@@ -4954,15 +4924,14 @@
               <a:buNone/>
             </a:pPr>
             <a:r>
-              <a:rPr b="0" i="1" lang="en-CA" sz="2600" spc="-1" strike="noStrike" u="sng">
+              <a:rPr b="0" i="1" lang="en-CA" sz="2600" spc="-1" strike="noStrike">
                 <a:solidFill>
                   <a:srgbClr val="535353"/>
                 </a:solidFill>
-                <a:uFillTx/>
                 <a:latin typeface="Calibri"/>
                 <a:ea typeface="ＭＳ Ｐゴシック"/>
               </a:rPr>
-              <a:t>Note: Microsoft marking people often call  this code generation scaffolding.</a:t>
+              <a:t>Note: Microsoft marketing people often call  this code generation scaffolding.</a:t>
             </a:r>
             <a:endParaRPr b="0" lang="en-CA" sz="2600" spc="-1" strike="noStrike">
               <a:latin typeface="Arial"/>
@@ -5055,7 +5024,7 @@
         <p:spPr>
           <a:xfrm>
             <a:off x="457200" y="274680"/>
-            <a:ext cx="8226360" cy="1139760"/>
+            <a:ext cx="8226000" cy="1139400"/>
           </a:xfrm>
           <a:prstGeom prst="rect">
             <a:avLst/>
@@ -5105,7 +5074,7 @@
         <p:spPr>
           <a:xfrm>
             <a:off x="1189080" y="1008000"/>
-            <a:ext cx="7017120" cy="4139280"/>
+            <a:ext cx="7016760" cy="4138920"/>
           </a:xfrm>
           <a:prstGeom prst="rect">
             <a:avLst/>
@@ -5367,7 +5336,7 @@
         <p:spPr>
           <a:xfrm>
             <a:off x="457200" y="274680"/>
-            <a:ext cx="8226360" cy="1139760"/>
+            <a:ext cx="8226000" cy="1139400"/>
           </a:xfrm>
           <a:prstGeom prst="rect">
             <a:avLst/>
@@ -5417,7 +5386,7 @@
         <p:spPr>
           <a:xfrm>
             <a:off x="973080" y="1008000"/>
-            <a:ext cx="7810920" cy="4139280"/>
+            <a:ext cx="7810560" cy="4138920"/>
           </a:xfrm>
           <a:prstGeom prst="rect">
             <a:avLst/>
